--- a/masterOpenSCAD/Mastering OpenSCAD within 10 projects.pptx
+++ b/masterOpenSCAD/Mastering OpenSCAD within 10 projects.pptx
@@ -5,10 +5,10 @@
     <p:sldMasterId id="2147483669" r:id="rId4"/>
   </p:sldMasterIdLst>
   <p:notesMasterIdLst>
-    <p:notesMasterId r:id="rId17"/>
+    <p:notesMasterId r:id="rId18"/>
   </p:notesMasterIdLst>
   <p:handoutMasterIdLst>
-    <p:handoutMasterId r:id="rId18"/>
+    <p:handoutMasterId r:id="rId19"/>
   </p:handoutMasterIdLst>
   <p:sldIdLst>
     <p:sldId id="256" r:id="rId5"/>
@@ -23,6 +23,7 @@
     <p:sldId id="265" r:id="rId14"/>
     <p:sldId id="266" r:id="rId15"/>
     <p:sldId id="267" r:id="rId16"/>
+    <p:sldId id="268" r:id="rId17"/>
   </p:sldIdLst>
   <p:sldSz cx="12192000" cy="6858000"/>
   <p:notesSz cx="6858000" cy="9144000"/>
@@ -226,7 +227,7 @@
           <a:p>
             <a:fld id="{B33D6361-1E3C-4214-95E1-B8DE93421F8F}" type="datetimeFigureOut">
               <a:rPr lang="en-US" smtClean="0"/>
-              <a:t>9/18/2023</a:t>
+              <a:t>5/19/2024</a:t>
             </a:fld>
             <a:endParaRPr lang="en-US" dirty="0"/>
           </a:p>
@@ -403,7 +404,7 @@
           <a:p>
             <a:fld id="{36F9CFFA-1E2F-4435-8DD6-9B5CC3FF4505}" type="datetimeFigureOut">
               <a:rPr lang="en-US" smtClean="0"/>
-              <a:t>9/18/2023</a:t>
+              <a:t>5/19/2024</a:t>
             </a:fld>
             <a:endParaRPr lang="en-US" dirty="0"/>
           </a:p>
@@ -1006,6 +1007,90 @@
 </p:notes>
 </file>
 
+<file path=ppt/notesSlides/notesSlide13.xml><?xml version="1.0" encoding="utf-8"?>
+<p:notes xmlns:a="http://schemas.openxmlformats.org/drawingml/2006/main" xmlns:r="http://schemas.openxmlformats.org/officeDocument/2006/relationships" xmlns:p="http://schemas.openxmlformats.org/presentationml/2006/main">
+  <p:cSld>
+    <p:spTree>
+      <p:nvGrpSpPr>
+        <p:cNvPr id="1" name=""/>
+        <p:cNvGrpSpPr/>
+        <p:nvPr/>
+      </p:nvGrpSpPr>
+      <p:grpSpPr>
+        <a:xfrm>
+          <a:off x="0" y="0"/>
+          <a:ext cx="0" cy="0"/>
+          <a:chOff x="0" y="0"/>
+          <a:chExt cx="0" cy="0"/>
+        </a:xfrm>
+      </p:grpSpPr>
+      <p:sp>
+        <p:nvSpPr>
+          <p:cNvPr id="2" name="Slide Image Placeholder 1"/>
+          <p:cNvSpPr>
+            <a:spLocks noGrp="1" noRot="1" noChangeAspect="1"/>
+          </p:cNvSpPr>
+          <p:nvPr>
+            <p:ph type="sldImg"/>
+          </p:nvPr>
+        </p:nvSpPr>
+        <p:spPr/>
+      </p:sp>
+      <p:sp>
+        <p:nvSpPr>
+          <p:cNvPr id="3" name="Notes Placeholder 2"/>
+          <p:cNvSpPr>
+            <a:spLocks noGrp="1"/>
+          </p:cNvSpPr>
+          <p:nvPr>
+            <p:ph type="body" idx="1"/>
+          </p:nvPr>
+        </p:nvSpPr>
+        <p:spPr/>
+        <p:txBody>
+          <a:bodyPr/>
+          <a:lstStyle/>
+          <a:p>
+            <a:endParaRPr lang="en-US" dirty="0"/>
+          </a:p>
+        </p:txBody>
+      </p:sp>
+      <p:sp>
+        <p:nvSpPr>
+          <p:cNvPr id="4" name="Slide Number Placeholder 3"/>
+          <p:cNvSpPr>
+            <a:spLocks noGrp="1"/>
+          </p:cNvSpPr>
+          <p:nvPr>
+            <p:ph type="sldNum" sz="quarter" idx="5"/>
+          </p:nvPr>
+        </p:nvSpPr>
+        <p:spPr/>
+        <p:txBody>
+          <a:bodyPr/>
+          <a:lstStyle/>
+          <a:p>
+            <a:fld id="{99EDED1C-4656-4CF8-AD34-DC4A65BB3913}" type="slidenum">
+              <a:rPr lang="en-US" smtClean="0"/>
+              <a:t>13</a:t>
+            </a:fld>
+            <a:endParaRPr lang="en-US" dirty="0"/>
+          </a:p>
+        </p:txBody>
+      </p:sp>
+    </p:spTree>
+    <p:extLst>
+      <p:ext uri="{BB962C8B-B14F-4D97-AF65-F5344CB8AC3E}">
+        <p14:creationId xmlns:p14="http://schemas.microsoft.com/office/powerpoint/2010/main" val="1074708045"/>
+      </p:ext>
+    </p:extLst>
+  </p:cSld>
+  <p:clrMapOvr>
+    <a:masterClrMapping/>
+  </p:clrMapOvr>
+</p:notes>
+</file>
+
 <file path=ppt/notesSlides/notesSlide2.xml><?xml version="1.0" encoding="utf-8"?>
 <p:notes xmlns:a="http://schemas.openxmlformats.org/drawingml/2006/main" xmlns:r="http://schemas.openxmlformats.org/officeDocument/2006/relationships" xmlns:p="http://schemas.openxmlformats.org/presentationml/2006/main">
   <p:cSld>
@@ -1849,7 +1934,7 @@
           <a:p>
             <a:fld id="{48A87A34-81AB-432B-8DAE-1953F412C126}" type="datetimeFigureOut">
               <a:rPr lang="en-US" smtClean="0"/>
-              <a:t>9/18/2023</a:t>
+              <a:t>5/19/2024</a:t>
             </a:fld>
             <a:endParaRPr lang="en-US" dirty="0"/>
           </a:p>
@@ -2161,7 +2246,7 @@
           <a:p>
             <a:fld id="{48A87A34-81AB-432B-8DAE-1953F412C126}" type="datetimeFigureOut">
               <a:rPr lang="en-US" smtClean="0"/>
-              <a:t>9/18/2023</a:t>
+              <a:t>5/19/2024</a:t>
             </a:fld>
             <a:endParaRPr lang="en-US" dirty="0"/>
           </a:p>
@@ -2383,7 +2468,7 @@
           <a:p>
             <a:fld id="{48A87A34-81AB-432B-8DAE-1953F412C126}" type="datetimeFigureOut">
               <a:rPr lang="en-US" smtClean="0"/>
-              <a:t>9/18/2023</a:t>
+              <a:t>5/19/2024</a:t>
             </a:fld>
             <a:endParaRPr lang="en-US" dirty="0"/>
           </a:p>
@@ -2674,7 +2759,7 @@
           <a:p>
             <a:fld id="{48A87A34-81AB-432B-8DAE-1953F412C126}" type="datetimeFigureOut">
               <a:rPr lang="en-US" smtClean="0"/>
-              <a:t>9/18/2023</a:t>
+              <a:t>5/19/2024</a:t>
             </a:fld>
             <a:endParaRPr lang="en-US" dirty="0"/>
           </a:p>
@@ -3128,7 +3213,7 @@
           <a:p>
             <a:fld id="{48A87A34-81AB-432B-8DAE-1953F412C126}" type="datetimeFigureOut">
               <a:rPr lang="en-US" smtClean="0"/>
-              <a:t>9/18/2023</a:t>
+              <a:t>5/19/2024</a:t>
             </a:fld>
             <a:endParaRPr lang="en-US" dirty="0"/>
           </a:p>
@@ -3704,7 +3789,7 @@
           <a:p>
             <a:fld id="{48A87A34-81AB-432B-8DAE-1953F412C126}" type="datetimeFigureOut">
               <a:rPr lang="en-US" smtClean="0"/>
-              <a:t>9/18/2023</a:t>
+              <a:t>5/19/2024</a:t>
             </a:fld>
             <a:endParaRPr lang="en-US" dirty="0"/>
           </a:p>
@@ -4556,7 +4641,7 @@
           <a:p>
             <a:fld id="{48A87A34-81AB-432B-8DAE-1953F412C126}" type="datetimeFigureOut">
               <a:rPr lang="en-US" smtClean="0"/>
-              <a:t>9/18/2023</a:t>
+              <a:t>5/19/2024</a:t>
             </a:fld>
             <a:endParaRPr lang="en-US" dirty="0"/>
           </a:p>
@@ -4761,7 +4846,7 @@
           <a:p>
             <a:fld id="{48A87A34-81AB-432B-8DAE-1953F412C126}" type="datetimeFigureOut">
               <a:rPr lang="en-US" smtClean="0"/>
-              <a:t>9/18/2023</a:t>
+              <a:t>5/19/2024</a:t>
             </a:fld>
             <a:endParaRPr lang="en-US" dirty="0"/>
           </a:p>
@@ -4975,7 +5060,7 @@
           <a:p>
             <a:fld id="{48A87A34-81AB-432B-8DAE-1953F412C126}" type="datetimeFigureOut">
               <a:rPr lang="en-US" smtClean="0"/>
-              <a:t>9/18/2023</a:t>
+              <a:t>5/19/2024</a:t>
             </a:fld>
             <a:endParaRPr lang="en-US" dirty="0"/>
           </a:p>
@@ -5180,7 +5265,7 @@
           <a:p>
             <a:fld id="{48A87A34-81AB-432B-8DAE-1953F412C126}" type="datetimeFigureOut">
               <a:rPr lang="en-US" smtClean="0"/>
-              <a:t>9/18/2023</a:t>
+              <a:t>5/19/2024</a:t>
             </a:fld>
             <a:endParaRPr lang="en-US" dirty="0"/>
           </a:p>
@@ -5460,7 +5545,7 @@
           <a:p>
             <a:fld id="{48A87A34-81AB-432B-8DAE-1953F412C126}" type="datetimeFigureOut">
               <a:rPr lang="en-US" smtClean="0"/>
-              <a:t>9/18/2023</a:t>
+              <a:t>5/19/2024</a:t>
             </a:fld>
             <a:endParaRPr lang="en-US" dirty="0"/>
           </a:p>
@@ -5727,7 +5812,7 @@
           <a:p>
             <a:fld id="{48A87A34-81AB-432B-8DAE-1953F412C126}" type="datetimeFigureOut">
               <a:rPr lang="en-US" smtClean="0"/>
-              <a:t>9/18/2023</a:t>
+              <a:t>5/19/2024</a:t>
             </a:fld>
             <a:endParaRPr lang="en-US" dirty="0"/>
           </a:p>
@@ -6142,7 +6227,7 @@
           <a:p>
             <a:fld id="{48A87A34-81AB-432B-8DAE-1953F412C126}" type="datetimeFigureOut">
               <a:rPr lang="en-US" smtClean="0"/>
-              <a:t>9/18/2023</a:t>
+              <a:t>5/19/2024</a:t>
             </a:fld>
             <a:endParaRPr lang="en-US" dirty="0"/>
           </a:p>
@@ -6290,7 +6375,7 @@
           <a:p>
             <a:fld id="{48A87A34-81AB-432B-8DAE-1953F412C126}" type="datetimeFigureOut">
               <a:rPr lang="en-US" smtClean="0"/>
-              <a:t>9/18/2023</a:t>
+              <a:t>5/19/2024</a:t>
             </a:fld>
             <a:endParaRPr lang="en-US" dirty="0"/>
           </a:p>
@@ -6415,7 +6500,7 @@
           <a:p>
             <a:fld id="{48A87A34-81AB-432B-8DAE-1953F412C126}" type="datetimeFigureOut">
               <a:rPr lang="en-US" smtClean="0"/>
-              <a:t>9/18/2023</a:t>
+              <a:t>5/19/2024</a:t>
             </a:fld>
             <a:endParaRPr lang="en-US" dirty="0"/>
           </a:p>
@@ -6694,7 +6779,7 @@
           <a:p>
             <a:fld id="{48A87A34-81AB-432B-8DAE-1953F412C126}" type="datetimeFigureOut">
               <a:rPr lang="en-US" smtClean="0"/>
-              <a:t>9/18/2023</a:t>
+              <a:t>5/19/2024</a:t>
             </a:fld>
             <a:endParaRPr lang="en-US" dirty="0"/>
           </a:p>
@@ -7006,7 +7091,7 @@
           <a:p>
             <a:fld id="{48A87A34-81AB-432B-8DAE-1953F412C126}" type="datetimeFigureOut">
               <a:rPr lang="en-US" smtClean="0"/>
-              <a:t>9/18/2023</a:t>
+              <a:t>5/19/2024</a:t>
             </a:fld>
             <a:endParaRPr lang="en-US" dirty="0"/>
           </a:p>
@@ -7260,7 +7345,7 @@
             <a:fld id="{48A87A34-81AB-432B-8DAE-1953F412C126}" type="datetimeFigureOut">
               <a:rPr lang="en-US" smtClean="0"/>
               <a:pPr/>
-              <a:t>9/18/2023</a:t>
+              <a:t>5/19/2024</a:t>
             </a:fld>
             <a:endParaRPr lang="en-US" dirty="0"/>
           </a:p>
@@ -9062,6 +9147,163 @@
     <p:extLst>
       <p:ext uri="{BB962C8B-B14F-4D97-AF65-F5344CB8AC3E}">
         <p14:creationId xmlns:p14="http://schemas.microsoft.com/office/powerpoint/2010/main" val="1386549991"/>
+      </p:ext>
+    </p:extLst>
+  </p:cSld>
+  <p:clrMapOvr>
+    <a:masterClrMapping/>
+  </p:clrMapOvr>
+</p:sld>
+</file>
+
+<file path=ppt/slides/slide13.xml><?xml version="1.0" encoding="utf-8"?>
+<p:sld xmlns:a="http://schemas.openxmlformats.org/drawingml/2006/main" xmlns:r="http://schemas.openxmlformats.org/officeDocument/2006/relationships" xmlns:p="http://schemas.openxmlformats.org/presentationml/2006/main">
+  <p:cSld>
+    <p:spTree>
+      <p:nvGrpSpPr>
+        <p:cNvPr id="1" name=""/>
+        <p:cNvGrpSpPr/>
+        <p:nvPr/>
+      </p:nvGrpSpPr>
+      <p:grpSpPr>
+        <a:xfrm>
+          <a:off x="0" y="0"/>
+          <a:ext cx="0" cy="0"/>
+          <a:chOff x="0" y="0"/>
+          <a:chExt cx="0" cy="0"/>
+        </a:xfrm>
+      </p:grpSpPr>
+      <p:pic>
+        <p:nvPicPr>
+          <p:cNvPr id="5" name="Picture 4" descr="Petri Dish">
+            <a:extLst>
+              <a:ext uri="{FF2B5EF4-FFF2-40B4-BE49-F238E27FC236}">
+                <a16:creationId xmlns:a16="http://schemas.microsoft.com/office/drawing/2014/main" id="{D16B27C4-A9C2-4AC4-9DD3-88F63F48E83C}"/>
+              </a:ext>
+            </a:extLst>
+          </p:cNvPr>
+          <p:cNvPicPr>
+            <a:picLocks noChangeAspect="1"/>
+          </p:cNvPicPr>
+          <p:nvPr/>
+        </p:nvPicPr>
+        <p:blipFill rotWithShape="1">
+          <a:blip r:embed="rId3" cstate="email">
+            <a:extLst>
+              <a:ext uri="{28A0092B-C50C-407E-A947-70E740481C1C}">
+                <a14:useLocalDpi xmlns:a14="http://schemas.microsoft.com/office/drawing/2010/main"/>
+              </a:ext>
+            </a:extLst>
+          </a:blip>
+          <a:srcRect/>
+          <a:stretch/>
+        </p:blipFill>
+        <p:spPr>
+          <a:xfrm>
+            <a:off x="7357274" y="10"/>
+            <a:ext cx="4834726" cy="6857990"/>
+          </a:xfrm>
+          <a:prstGeom prst="rect">
+            <a:avLst/>
+          </a:prstGeom>
+        </p:spPr>
+      </p:pic>
+      <p:pic>
+        <p:nvPicPr>
+          <p:cNvPr id="13" name="Picture 12">
+            <a:extLst>
+              <a:ext uri="{FF2B5EF4-FFF2-40B4-BE49-F238E27FC236}">
+                <a16:creationId xmlns:a16="http://schemas.microsoft.com/office/drawing/2014/main" id="{817E7412-CF3C-BEB7-6411-5F134B416D58}"/>
+              </a:ext>
+            </a:extLst>
+          </p:cNvPr>
+          <p:cNvPicPr>
+            <a:picLocks noChangeAspect="1"/>
+          </p:cNvPicPr>
+          <p:nvPr/>
+        </p:nvPicPr>
+        <p:blipFill>
+          <a:blip r:embed="rId4"/>
+          <a:stretch>
+            <a:fillRect/>
+          </a:stretch>
+        </p:blipFill>
+        <p:spPr>
+          <a:xfrm>
+            <a:off x="1009048" y="523030"/>
+            <a:ext cx="5881945" cy="5638794"/>
+          </a:xfrm>
+          <a:prstGeom prst="rect">
+            <a:avLst/>
+          </a:prstGeom>
+        </p:spPr>
+      </p:pic>
+      <p:pic>
+        <p:nvPicPr>
+          <p:cNvPr id="17" name="Picture 16">
+            <a:extLst>
+              <a:ext uri="{FF2B5EF4-FFF2-40B4-BE49-F238E27FC236}">
+                <a16:creationId xmlns:a16="http://schemas.microsoft.com/office/drawing/2014/main" id="{744F0431-8F6C-0086-22A5-2930F55834A4}"/>
+              </a:ext>
+            </a:extLst>
+          </p:cNvPr>
+          <p:cNvPicPr>
+            <a:picLocks noChangeAspect="1"/>
+          </p:cNvPicPr>
+          <p:nvPr/>
+        </p:nvPicPr>
+        <p:blipFill>
+          <a:blip r:embed="rId5">
+            <a:clrChange>
+              <a:clrFrom>
+                <a:srgbClr val="FFFFFF"/>
+              </a:clrFrom>
+              <a:clrTo>
+                <a:srgbClr val="FFFFFF">
+                  <a:alpha val="0"/>
+                </a:srgbClr>
+              </a:clrTo>
+            </a:clrChange>
+            <a:extLst>
+              <a:ext uri="{BEBA8EAE-BF5A-486C-A8C5-ECC9F3942E4B}">
+                <a14:imgProps xmlns:a14="http://schemas.microsoft.com/office/drawing/2010/main">
+                  <a14:imgLayer r:embed="rId6">
+                    <a14:imgEffect>
+                      <a14:colorTemperature colorTemp="4700"/>
+                    </a14:imgEffect>
+                  </a14:imgLayer>
+                </a14:imgProps>
+              </a:ext>
+            </a:extLst>
+          </a:blip>
+          <a:stretch>
+            <a:fillRect/>
+          </a:stretch>
+        </p:blipFill>
+        <p:spPr>
+          <a:xfrm>
+            <a:off x="7036495" y="1810870"/>
+            <a:ext cx="4146457" cy="3236259"/>
+          </a:xfrm>
+          <a:prstGeom prst="rect">
+            <a:avLst/>
+          </a:prstGeom>
+          <a:ln>
+            <a:noFill/>
+          </a:ln>
+          <a:effectLst>
+            <a:outerShdw blurRad="292100" dist="139700" dir="2700000" algn="tl" rotWithShape="0">
+              <a:srgbClr val="333333">
+                <a:alpha val="65000"/>
+              </a:srgbClr>
+            </a:outerShdw>
+          </a:effectLst>
+        </p:spPr>
+      </p:pic>
+    </p:spTree>
+    <p:extLst>
+      <p:ext uri="{BB962C8B-B14F-4D97-AF65-F5344CB8AC3E}">
+        <p14:creationId xmlns:p14="http://schemas.microsoft.com/office/powerpoint/2010/main" val="1789307493"/>
       </p:ext>
     </p:extLst>
   </p:cSld>
@@ -12291,24 +12533,6 @@
 </file>
 
 <file path=customXml/item1.xml><?xml version="1.0" encoding="utf-8"?>
-<p:properties xmlns:p="http://schemas.microsoft.com/office/2006/metadata/properties" xmlns:xsi="http://www.w3.org/2001/XMLSchema-instance" xmlns:pc="http://schemas.microsoft.com/office/infopath/2007/PartnerControls">
-  <documentManagement>
-    <Status xmlns="71af3243-3dd4-4a8d-8c0d-dd76da1f02a5">Not started</Status>
-    <MediaServiceKeyPoints xmlns="71af3243-3dd4-4a8d-8c0d-dd76da1f02a5" xsi:nil="true"/>
-  </documentManagement>
-</p:properties>
-</file>
-
-<file path=customXml/item2.xml><?xml version="1.0" encoding="utf-8"?>
-<?mso-contentType ?>
-<FormTemplates xmlns="http://schemas.microsoft.com/sharepoint/v3/contenttype/forms">
-  <Display>DocumentLibraryForm</Display>
-  <Edit>DocumentLibraryForm</Edit>
-  <New>DocumentLibraryForm</New>
-</FormTemplates>
-</file>
-
-<file path=customXml/item3.xml><?xml version="1.0" encoding="utf-8"?>
 <ct:contentTypeSchema xmlns:ct="http://schemas.microsoft.com/office/2006/metadata/contentType" xmlns:ma="http://schemas.microsoft.com/office/2006/metadata/properties/metaAttributes" ct:_="" ma:_="" ma:contentTypeName="Document" ma:contentTypeID="0x01010079F111ED35F8CC479449609E8A0923A6" ma:contentTypeVersion="12" ma:contentTypeDescription="Create a new document." ma:contentTypeScope="" ma:versionID="93813dd7ca6ad654711aa0ab317e03a3">
   <xsd:schema xmlns:xsd="http://www.w3.org/2001/XMLSchema" xmlns:xs="http://www.w3.org/2001/XMLSchema" xmlns:p="http://schemas.microsoft.com/office/2006/metadata/properties" xmlns:ns2="71af3243-3dd4-4a8d-8c0d-dd76da1f02a5" xmlns:ns3="16c05727-aa75-4e4a-9b5f-8a80a1165891" targetNamespace="http://schemas.microsoft.com/office/2006/metadata/properties" ma:root="true" ma:fieldsID="f11dc0ce689dd3925e84e4e35398c6e7" ns2:_="" ns3:_="">
     <xsd:import namespace="71af3243-3dd4-4a8d-8c0d-dd76da1f02a5"/>
@@ -12529,25 +12753,25 @@
 </ct:contentTypeSchema>
 </file>
 
-<file path=customXml/itemProps1.xml><?xml version="1.0" encoding="utf-8"?>
-<ds:datastoreItem xmlns:ds="http://schemas.openxmlformats.org/officeDocument/2006/customXml" ds:itemID="{AABA7D41-7EBD-45D7-AFB8-22EF4BFA6BA2}">
-  <ds:schemaRefs>
-    <ds:schemaRef ds:uri="http://schemas.microsoft.com/office/2006/metadata/properties"/>
-    <ds:schemaRef ds:uri="http://schemas.microsoft.com/office/infopath/2007/PartnerControls"/>
-    <ds:schemaRef ds:uri="71af3243-3dd4-4a8d-8c0d-dd76da1f02a5"/>
-  </ds:schemaRefs>
-</ds:datastoreItem>
+<file path=customXml/item2.xml><?xml version="1.0" encoding="utf-8"?>
+<?mso-contentType ?>
+<FormTemplates xmlns="http://schemas.microsoft.com/sharepoint/v3/contenttype/forms">
+  <Display>DocumentLibraryForm</Display>
+  <Edit>DocumentLibraryForm</Edit>
+  <New>DocumentLibraryForm</New>
+</FormTemplates>
 </file>
 
-<file path=customXml/itemProps2.xml><?xml version="1.0" encoding="utf-8"?>
-<ds:datastoreItem xmlns:ds="http://schemas.openxmlformats.org/officeDocument/2006/customXml" ds:itemID="{19C9275B-1E7E-409A-9467-302622C468D2}">
-  <ds:schemaRefs>
-    <ds:schemaRef ds:uri="http://schemas.microsoft.com/sharepoint/v3/contenttype/forms"/>
-  </ds:schemaRefs>
-</ds:datastoreItem>
+<file path=customXml/item3.xml><?xml version="1.0" encoding="utf-8"?>
+<p:properties xmlns:p="http://schemas.microsoft.com/office/2006/metadata/properties" xmlns:xsi="http://www.w3.org/2001/XMLSchema-instance" xmlns:pc="http://schemas.microsoft.com/office/infopath/2007/PartnerControls">
+  <documentManagement>
+    <Status xmlns="71af3243-3dd4-4a8d-8c0d-dd76da1f02a5">Not started</Status>
+    <MediaServiceKeyPoints xmlns="71af3243-3dd4-4a8d-8c0d-dd76da1f02a5" xsi:nil="true"/>
+  </documentManagement>
+</p:properties>
 </file>
 
-<file path=customXml/itemProps3.xml><?xml version="1.0" encoding="utf-8"?>
+<file path=customXml/itemProps1.xml><?xml version="1.0" encoding="utf-8"?>
 <ds:datastoreItem xmlns:ds="http://schemas.openxmlformats.org/officeDocument/2006/customXml" ds:itemID="{38E52988-C458-4121-9BF8-864CDB291D44}">
   <ds:schemaRefs>
     <ds:schemaRef ds:uri="http://schemas.microsoft.com/office/2006/metadata/contentType"/>
@@ -12564,4 +12788,22 @@
     <ds:schemaRef ds:uri="http://schemas.microsoft.com/internal/obd"/>
   </ds:schemaRefs>
 </ds:datastoreItem>
+</file>
+
+<file path=customXml/itemProps2.xml><?xml version="1.0" encoding="utf-8"?>
+<ds:datastoreItem xmlns:ds="http://schemas.openxmlformats.org/officeDocument/2006/customXml" ds:itemID="{19C9275B-1E7E-409A-9467-302622C468D2}">
+  <ds:schemaRefs>
+    <ds:schemaRef ds:uri="http://schemas.microsoft.com/sharepoint/v3/contenttype/forms"/>
+  </ds:schemaRefs>
+</ds:datastoreItem>
+</file>
+
+<file path=customXml/itemProps3.xml><?xml version="1.0" encoding="utf-8"?>
+<ds:datastoreItem xmlns:ds="http://schemas.openxmlformats.org/officeDocument/2006/customXml" ds:itemID="{AABA7D41-7EBD-45D7-AFB8-22EF4BFA6BA2}">
+  <ds:schemaRefs>
+    <ds:schemaRef ds:uri="http://schemas.microsoft.com/office/2006/metadata/properties"/>
+    <ds:schemaRef ds:uri="http://schemas.microsoft.com/office/infopath/2007/PartnerControls"/>
+    <ds:schemaRef ds:uri="71af3243-3dd4-4a8d-8c0d-dd76da1f02a5"/>
+  </ds:schemaRefs>
+</ds:datastoreItem>
 </file>